--- a/1-Introduction to Python.pptx
+++ b/1-Introduction to Python.pptx
@@ -6751,6 +6751,10 @@
               <a:t>If you’re a complete beginner in programming</a:t>
             </a:r>
           </a:p>
+          <a:p>
+            <a:pPr algn="ctr"/>
+            <a:endParaRPr lang="en-GB" sz="3200" dirty="0"/>
+          </a:p>
         </p:txBody>
       </p:sp>
     </p:spTree>
@@ -6840,25 +6844,38 @@
           <a:bodyPr/>
           <a:lstStyle/>
           <a:p>
+            <a:pPr marL="0" indent="0" algn="ctr">
+              <a:buNone/>
+            </a:pPr>
+            <a:endParaRPr lang="en-GB" sz="3200" dirty="0"/>
+          </a:p>
+          <a:p>
+            <a:pPr marL="0" indent="0" algn="ctr">
+              <a:buNone/>
+            </a:pPr>
+            <a:r>
+              <a:rPr lang="en-GB" sz="3200" dirty="0"/>
+              <a:t>If you are looking a cookbook of </a:t>
+            </a:r>
+            <a:r>
+              <a:rPr lang="en-GB" sz="3200"/>
+              <a:t>Python recipes</a:t>
+            </a:r>
+            <a:endParaRPr lang="en-GB" sz="3200" dirty="0"/>
+          </a:p>
+          <a:p>
             <a:pPr algn="ctr"/>
-            <a:endParaRPr lang="en-GB" sz="3200" dirty="0"/>
+            <a:r>
+              <a:rPr lang="en-GB" sz="2800" dirty="0"/>
+              <a:t>Hardcore programmers</a:t>
+            </a:r>
           </a:p>
           <a:p>
             <a:pPr algn="ctr"/>
-            <a:endParaRPr lang="en-GB" sz="3200" dirty="0"/>
-          </a:p>
-          <a:p>
-            <a:pPr algn="ctr"/>
-            <a:endParaRPr lang="en-GB" sz="3200" dirty="0"/>
-          </a:p>
-          <a:p>
-            <a:pPr algn="ctr"/>
-            <a:r>
-              <a:rPr lang="en-GB" sz="3200" dirty="0"/>
-              <a:t>If you are looking a cookbook of Python recipes</a:t>
-            </a:r>
-          </a:p>
-          <a:p>
+            <a:r>
+              <a:rPr lang="en-GB" sz="2800" dirty="0"/>
+              <a:t>If you’re looking for super advanced stuff</a:t>
+            </a:r>
             <a:endParaRPr lang="en-GB" dirty="0"/>
           </a:p>
         </p:txBody>
@@ -6998,6 +7015,81 @@
   <p:clrMapOvr>
     <a:masterClrMapping/>
   </p:clrMapOvr>
+  <p:timing>
+    <p:tnLst>
+      <p:par>
+        <p:cTn id="1" dur="indefinite" restart="never" nodeType="tmRoot">
+          <p:childTnLst>
+            <p:seq concurrent="1" nextAc="seek">
+              <p:cTn id="2" dur="indefinite" nodeType="mainSeq">
+                <p:childTnLst>
+                  <p:par>
+                    <p:cTn id="3" fill="hold">
+                      <p:stCondLst>
+                        <p:cond delay="indefinite"/>
+                      </p:stCondLst>
+                      <p:childTnLst>
+                        <p:par>
+                          <p:cTn id="4" fill="hold">
+                            <p:stCondLst>
+                              <p:cond delay="0"/>
+                            </p:stCondLst>
+                            <p:childTnLst>
+                              <p:par>
+                                <p:cTn id="5" presetID="1" presetClass="entr" presetSubtype="0" fill="hold" nodeType="clickEffect">
+                                  <p:stCondLst>
+                                    <p:cond delay="0"/>
+                                  </p:stCondLst>
+                                  <p:childTnLst>
+                                    <p:set>
+                                      <p:cBhvr>
+                                        <p:cTn id="6" dur="1" fill="hold">
+                                          <p:stCondLst>
+                                            <p:cond delay="0"/>
+                                          </p:stCondLst>
+                                        </p:cTn>
+                                        <p:tgtEl>
+                                          <p:spTgt spid="5"/>
+                                        </p:tgtEl>
+                                        <p:attrNameLst>
+                                          <p:attrName>style.visibility</p:attrName>
+                                        </p:attrNameLst>
+                                      </p:cBhvr>
+                                      <p:to>
+                                        <p:strVal val="visible"/>
+                                      </p:to>
+                                    </p:set>
+                                  </p:childTnLst>
+                                </p:cTn>
+                              </p:par>
+                            </p:childTnLst>
+                          </p:cTn>
+                        </p:par>
+                      </p:childTnLst>
+                    </p:cTn>
+                  </p:par>
+                </p:childTnLst>
+              </p:cTn>
+              <p:prevCondLst>
+                <p:cond evt="onPrev" delay="0">
+                  <p:tgtEl>
+                    <p:sldTgt/>
+                  </p:tgtEl>
+                </p:cond>
+              </p:prevCondLst>
+              <p:nextCondLst>
+                <p:cond evt="onNext" delay="0">
+                  <p:tgtEl>
+                    <p:sldTgt/>
+                  </p:tgtEl>
+                </p:cond>
+              </p:nextCondLst>
+            </p:seq>
+          </p:childTnLst>
+        </p:cTn>
+      </p:par>
+    </p:tnLst>
+  </p:timing>
 </p:sld>
 </file>
 
@@ -7346,6 +7438,81 @@
   <p:clrMapOvr>
     <a:masterClrMapping/>
   </p:clrMapOvr>
+  <p:timing>
+    <p:tnLst>
+      <p:par>
+        <p:cTn id="1" dur="indefinite" restart="never" nodeType="tmRoot">
+          <p:childTnLst>
+            <p:seq concurrent="1" nextAc="seek">
+              <p:cTn id="2" dur="indefinite" nodeType="mainSeq">
+                <p:childTnLst>
+                  <p:par>
+                    <p:cTn id="3" fill="hold">
+                      <p:stCondLst>
+                        <p:cond delay="indefinite"/>
+                      </p:stCondLst>
+                      <p:childTnLst>
+                        <p:par>
+                          <p:cTn id="4" fill="hold">
+                            <p:stCondLst>
+                              <p:cond delay="0"/>
+                            </p:stCondLst>
+                            <p:childTnLst>
+                              <p:par>
+                                <p:cTn id="5" presetID="1" presetClass="entr" presetSubtype="0" fill="hold" nodeType="clickEffect">
+                                  <p:stCondLst>
+                                    <p:cond delay="0"/>
+                                  </p:stCondLst>
+                                  <p:childTnLst>
+                                    <p:set>
+                                      <p:cBhvr>
+                                        <p:cTn id="6" dur="1" fill="hold">
+                                          <p:stCondLst>
+                                            <p:cond delay="0"/>
+                                          </p:stCondLst>
+                                        </p:cTn>
+                                        <p:tgtEl>
+                                          <p:spTgt spid="6"/>
+                                        </p:tgtEl>
+                                        <p:attrNameLst>
+                                          <p:attrName>style.visibility</p:attrName>
+                                        </p:attrNameLst>
+                                      </p:cBhvr>
+                                      <p:to>
+                                        <p:strVal val="visible"/>
+                                      </p:to>
+                                    </p:set>
+                                  </p:childTnLst>
+                                </p:cTn>
+                              </p:par>
+                            </p:childTnLst>
+                          </p:cTn>
+                        </p:par>
+                      </p:childTnLst>
+                    </p:cTn>
+                  </p:par>
+                </p:childTnLst>
+              </p:cTn>
+              <p:prevCondLst>
+                <p:cond evt="onPrev" delay="0">
+                  <p:tgtEl>
+                    <p:sldTgt/>
+                  </p:tgtEl>
+                </p:cond>
+              </p:prevCondLst>
+              <p:nextCondLst>
+                <p:cond evt="onNext" delay="0">
+                  <p:tgtEl>
+                    <p:sldTgt/>
+                  </p:tgtEl>
+                </p:cond>
+              </p:nextCondLst>
+            </p:seq>
+          </p:childTnLst>
+        </p:cTn>
+      </p:par>
+    </p:tnLst>
+  </p:timing>
 </p:sld>
 </file>
 
@@ -7439,6 +7606,81 @@
   <p:clrMapOvr>
     <a:masterClrMapping/>
   </p:clrMapOvr>
+  <p:timing>
+    <p:tnLst>
+      <p:par>
+        <p:cTn id="1" dur="indefinite" restart="never" nodeType="tmRoot">
+          <p:childTnLst>
+            <p:seq concurrent="1" nextAc="seek">
+              <p:cTn id="2" dur="indefinite" nodeType="mainSeq">
+                <p:childTnLst>
+                  <p:par>
+                    <p:cTn id="3" fill="hold">
+                      <p:stCondLst>
+                        <p:cond delay="indefinite"/>
+                      </p:stCondLst>
+                      <p:childTnLst>
+                        <p:par>
+                          <p:cTn id="4" fill="hold">
+                            <p:stCondLst>
+                              <p:cond delay="0"/>
+                            </p:stCondLst>
+                            <p:childTnLst>
+                              <p:par>
+                                <p:cTn id="5" presetID="1" presetClass="entr" presetSubtype="0" fill="hold" nodeType="clickEffect">
+                                  <p:stCondLst>
+                                    <p:cond delay="0"/>
+                                  </p:stCondLst>
+                                  <p:childTnLst>
+                                    <p:set>
+                                      <p:cBhvr>
+                                        <p:cTn id="6" dur="1" fill="hold">
+                                          <p:stCondLst>
+                                            <p:cond delay="0"/>
+                                          </p:stCondLst>
+                                        </p:cTn>
+                                        <p:tgtEl>
+                                          <p:spTgt spid="4"/>
+                                        </p:tgtEl>
+                                        <p:attrNameLst>
+                                          <p:attrName>style.visibility</p:attrName>
+                                        </p:attrNameLst>
+                                      </p:cBhvr>
+                                      <p:to>
+                                        <p:strVal val="visible"/>
+                                      </p:to>
+                                    </p:set>
+                                  </p:childTnLst>
+                                </p:cTn>
+                              </p:par>
+                            </p:childTnLst>
+                          </p:cTn>
+                        </p:par>
+                      </p:childTnLst>
+                    </p:cTn>
+                  </p:par>
+                </p:childTnLst>
+              </p:cTn>
+              <p:prevCondLst>
+                <p:cond evt="onPrev" delay="0">
+                  <p:tgtEl>
+                    <p:sldTgt/>
+                  </p:tgtEl>
+                </p:cond>
+              </p:prevCondLst>
+              <p:nextCondLst>
+                <p:cond evt="onNext" delay="0">
+                  <p:tgtEl>
+                    <p:sldTgt/>
+                  </p:tgtEl>
+                </p:cond>
+              </p:nextCondLst>
+            </p:seq>
+          </p:childTnLst>
+        </p:cTn>
+      </p:par>
+    </p:tnLst>
+  </p:timing>
 </p:sld>
 </file>
 
@@ -7506,7 +7748,7 @@
         <p:spPr/>
         <p:txBody>
           <a:bodyPr>
-            <a:normAutofit/>
+            <a:normAutofit fontScale="77500" lnSpcReduction="20000"/>
           </a:bodyPr>
           <a:lstStyle/>
           <a:p>
@@ -7518,6 +7760,17 @@
             <a:r>
               <a:rPr lang="en-GB" sz="2800" dirty="0"/>
               <a:t>Easy to learn!</a:t>
+            </a:r>
+          </a:p>
+          <a:p>
+            <a:pPr>
+              <a:lnSpc>
+                <a:spcPct val="200000"/>
+              </a:lnSpc>
+            </a:pPr>
+            <a:r>
+              <a:rPr lang="en-GB" sz="2800" dirty="0"/>
+              <a:t>Fast! – Almost as fast as C or C++</a:t>
             </a:r>
           </a:p>
           <a:p>
@@ -7802,6 +8055,261 @@
   <p:clrMapOvr>
     <a:masterClrMapping/>
   </p:clrMapOvr>
+  <p:timing>
+    <p:tnLst>
+      <p:par>
+        <p:cTn id="1" dur="indefinite" restart="never" nodeType="tmRoot">
+          <p:childTnLst>
+            <p:seq concurrent="1" nextAc="seek">
+              <p:cTn id="2" dur="indefinite" nodeType="mainSeq">
+                <p:childTnLst>
+                  <p:par>
+                    <p:cTn id="3" fill="hold">
+                      <p:stCondLst>
+                        <p:cond delay="indefinite"/>
+                      </p:stCondLst>
+                      <p:childTnLst>
+                        <p:par>
+                          <p:cTn id="4" fill="hold">
+                            <p:stCondLst>
+                              <p:cond delay="0"/>
+                            </p:stCondLst>
+                            <p:childTnLst>
+                              <p:par>
+                                <p:cTn id="5" presetID="1" presetClass="entr" presetSubtype="0" fill="hold" nodeType="clickEffect">
+                                  <p:stCondLst>
+                                    <p:cond delay="0"/>
+                                  </p:stCondLst>
+                                  <p:childTnLst>
+                                    <p:set>
+                                      <p:cBhvr>
+                                        <p:cTn id="6" dur="1" fill="hold">
+                                          <p:stCondLst>
+                                            <p:cond delay="0"/>
+                                          </p:stCondLst>
+                                        </p:cTn>
+                                        <p:tgtEl>
+                                          <p:spTgt spid="5"/>
+                                        </p:tgtEl>
+                                        <p:attrNameLst>
+                                          <p:attrName>style.visibility</p:attrName>
+                                        </p:attrNameLst>
+                                      </p:cBhvr>
+                                      <p:to>
+                                        <p:strVal val="visible"/>
+                                      </p:to>
+                                    </p:set>
+                                  </p:childTnLst>
+                                </p:cTn>
+                              </p:par>
+                            </p:childTnLst>
+                          </p:cTn>
+                        </p:par>
+                      </p:childTnLst>
+                    </p:cTn>
+                  </p:par>
+                  <p:par>
+                    <p:cTn id="7" fill="hold">
+                      <p:stCondLst>
+                        <p:cond delay="indefinite"/>
+                      </p:stCondLst>
+                      <p:childTnLst>
+                        <p:par>
+                          <p:cTn id="8" fill="hold">
+                            <p:stCondLst>
+                              <p:cond delay="0"/>
+                            </p:stCondLst>
+                            <p:childTnLst>
+                              <p:par>
+                                <p:cTn id="9" presetID="1" presetClass="entr" presetSubtype="0" fill="hold" nodeType="clickEffect">
+                                  <p:stCondLst>
+                                    <p:cond delay="0"/>
+                                  </p:stCondLst>
+                                  <p:childTnLst>
+                                    <p:set>
+                                      <p:cBhvr>
+                                        <p:cTn id="10" dur="1" fill="hold">
+                                          <p:stCondLst>
+                                            <p:cond delay="0"/>
+                                          </p:stCondLst>
+                                        </p:cTn>
+                                        <p:tgtEl>
+                                          <p:spTgt spid="11"/>
+                                        </p:tgtEl>
+                                        <p:attrNameLst>
+                                          <p:attrName>style.visibility</p:attrName>
+                                        </p:attrNameLst>
+                                      </p:cBhvr>
+                                      <p:to>
+                                        <p:strVal val="visible"/>
+                                      </p:to>
+                                    </p:set>
+                                  </p:childTnLst>
+                                </p:cTn>
+                              </p:par>
+                            </p:childTnLst>
+                          </p:cTn>
+                        </p:par>
+                      </p:childTnLst>
+                    </p:cTn>
+                  </p:par>
+                  <p:par>
+                    <p:cTn id="11" fill="hold">
+                      <p:stCondLst>
+                        <p:cond delay="indefinite"/>
+                      </p:stCondLst>
+                      <p:childTnLst>
+                        <p:par>
+                          <p:cTn id="12" fill="hold">
+                            <p:stCondLst>
+                              <p:cond delay="0"/>
+                            </p:stCondLst>
+                            <p:childTnLst>
+                              <p:par>
+                                <p:cTn id="13" presetID="1" presetClass="entr" presetSubtype="0" fill="hold" nodeType="clickEffect">
+                                  <p:stCondLst>
+                                    <p:cond delay="0"/>
+                                  </p:stCondLst>
+                                  <p:childTnLst>
+                                    <p:set>
+                                      <p:cBhvr>
+                                        <p:cTn id="14" dur="1" fill="hold">
+                                          <p:stCondLst>
+                                            <p:cond delay="0"/>
+                                          </p:stCondLst>
+                                        </p:cTn>
+                                        <p:tgtEl>
+                                          <p:spTgt spid="7"/>
+                                        </p:tgtEl>
+                                        <p:attrNameLst>
+                                          <p:attrName>style.visibility</p:attrName>
+                                        </p:attrNameLst>
+                                      </p:cBhvr>
+                                      <p:to>
+                                        <p:strVal val="visible"/>
+                                      </p:to>
+                                    </p:set>
+                                  </p:childTnLst>
+                                </p:cTn>
+                              </p:par>
+                            </p:childTnLst>
+                          </p:cTn>
+                        </p:par>
+                      </p:childTnLst>
+                    </p:cTn>
+                  </p:par>
+                  <p:par>
+                    <p:cTn id="15" fill="hold">
+                      <p:stCondLst>
+                        <p:cond delay="indefinite"/>
+                      </p:stCondLst>
+                      <p:childTnLst>
+                        <p:par>
+                          <p:cTn id="16" fill="hold">
+                            <p:stCondLst>
+                              <p:cond delay="0"/>
+                            </p:stCondLst>
+                            <p:childTnLst>
+                              <p:par>
+                                <p:cTn id="17" presetID="1" presetClass="entr" presetSubtype="0" fill="hold" nodeType="clickEffect">
+                                  <p:stCondLst>
+                                    <p:cond delay="0"/>
+                                  </p:stCondLst>
+                                  <p:childTnLst>
+                                    <p:set>
+                                      <p:cBhvr>
+                                        <p:cTn id="18" dur="1" fill="hold">
+                                          <p:stCondLst>
+                                            <p:cond delay="0"/>
+                                          </p:stCondLst>
+                                        </p:cTn>
+                                        <p:tgtEl>
+                                          <p:spTgt spid="13"/>
+                                        </p:tgtEl>
+                                        <p:attrNameLst>
+                                          <p:attrName>style.visibility</p:attrName>
+                                        </p:attrNameLst>
+                                      </p:cBhvr>
+                                      <p:to>
+                                        <p:strVal val="visible"/>
+                                      </p:to>
+                                    </p:set>
+                                  </p:childTnLst>
+                                </p:cTn>
+                              </p:par>
+                            </p:childTnLst>
+                          </p:cTn>
+                        </p:par>
+                      </p:childTnLst>
+                    </p:cTn>
+                  </p:par>
+                  <p:par>
+                    <p:cTn id="19" fill="hold">
+                      <p:stCondLst>
+                        <p:cond delay="indefinite"/>
+                      </p:stCondLst>
+                      <p:childTnLst>
+                        <p:par>
+                          <p:cTn id="20" fill="hold">
+                            <p:stCondLst>
+                              <p:cond delay="0"/>
+                            </p:stCondLst>
+                            <p:childTnLst>
+                              <p:par>
+                                <p:cTn id="21" presetID="1" presetClass="entr" presetSubtype="0" fill="hold" nodeType="clickEffect">
+                                  <p:stCondLst>
+                                    <p:cond delay="0"/>
+                                  </p:stCondLst>
+                                  <p:childTnLst>
+                                    <p:set>
+                                      <p:cBhvr>
+                                        <p:cTn id="22" dur="1" fill="hold">
+                                          <p:stCondLst>
+                                            <p:cond delay="0"/>
+                                          </p:stCondLst>
+                                        </p:cTn>
+                                        <p:tgtEl>
+                                          <p:spTgt spid="9"/>
+                                        </p:tgtEl>
+                                        <p:attrNameLst>
+                                          <p:attrName>style.visibility</p:attrName>
+                                        </p:attrNameLst>
+                                      </p:cBhvr>
+                                      <p:to>
+                                        <p:strVal val="visible"/>
+                                      </p:to>
+                                    </p:set>
+                                  </p:childTnLst>
+                                </p:cTn>
+                              </p:par>
+                            </p:childTnLst>
+                          </p:cTn>
+                        </p:par>
+                      </p:childTnLst>
+                    </p:cTn>
+                  </p:par>
+                </p:childTnLst>
+              </p:cTn>
+              <p:prevCondLst>
+                <p:cond evt="onPrev" delay="0">
+                  <p:tgtEl>
+                    <p:sldTgt/>
+                  </p:tgtEl>
+                </p:cond>
+              </p:prevCondLst>
+              <p:nextCondLst>
+                <p:cond evt="onNext" delay="0">
+                  <p:tgtEl>
+                    <p:sldTgt/>
+                  </p:tgtEl>
+                </p:cond>
+              </p:nextCondLst>
+            </p:seq>
+          </p:childTnLst>
+        </p:cTn>
+      </p:par>
+    </p:tnLst>
+  </p:timing>
 </p:sld>
 </file>
 
